--- a/PPT and Report/PPTs/EZFINUP - 0th Review PPT.pptx
+++ b/PPT and Report/PPTs/EZFINUP - 0th Review PPT.pptx
@@ -1864,7 +1864,7 @@
           </a:ln>
           <a:extLst>
             <a:ext uri="{C572A759-6A51-4108-AA02-DFA0A04FC94B}">
-              <ma14:wrappingTextBoxFlag xmlns="" xmlns:m="http://schemas.openxmlformats.org/officeDocument/2006/math" xmlns:a14="http://schemas.microsoft.com/office/drawing/2010/main" xmlns:ma14="http://schemas.microsoft.com/office/mac/drawingml/2011/main" val="1"/>
+              <ma14:wrappingTextBoxFlag xmlns:ma14="http://schemas.microsoft.com/office/mac/drawingml/2011/main" xmlns:a14="http://schemas.microsoft.com/office/drawing/2010/main" xmlns:m="http://schemas.openxmlformats.org/officeDocument/2006/math" xmlns="" val="1"/>
             </a:ext>
           </a:extLst>
         </p:spPr>
@@ -1903,7 +1903,7 @@
           </a:ln>
           <a:extLst>
             <a:ext uri="{C572A759-6A51-4108-AA02-DFA0A04FC94B}">
-              <ma14:wrappingTextBoxFlag xmlns="" xmlns:m="http://schemas.openxmlformats.org/officeDocument/2006/math" xmlns:a14="http://schemas.microsoft.com/office/drawing/2010/main" xmlns:ma14="http://schemas.microsoft.com/office/mac/drawingml/2011/main" val="1"/>
+              <ma14:wrappingTextBoxFlag xmlns:ma14="http://schemas.microsoft.com/office/mac/drawingml/2011/main" xmlns:a14="http://schemas.microsoft.com/office/drawing/2010/main" xmlns:m="http://schemas.openxmlformats.org/officeDocument/2006/math" xmlns="" val="1"/>
             </a:ext>
           </a:extLst>
         </p:spPr>
@@ -2910,7 +2910,7 @@
           </a:ln>
           <a:extLst>
             <a:ext uri="{C572A759-6A51-4108-AA02-DFA0A04FC94B}">
-              <ma14:wrappingTextBoxFlag xmlns="" xmlns:m="http://schemas.openxmlformats.org/officeDocument/2006/math" xmlns:a14="http://schemas.microsoft.com/office/drawing/2010/main" xmlns:ma14="http://schemas.microsoft.com/office/mac/drawingml/2011/main" val="1"/>
+              <ma14:wrappingTextBoxFlag xmlns:ma14="http://schemas.microsoft.com/office/mac/drawingml/2011/main" xmlns:a14="http://schemas.microsoft.com/office/drawing/2010/main" xmlns:m="http://schemas.openxmlformats.org/officeDocument/2006/math" xmlns="" val="1"/>
             </a:ext>
           </a:extLst>
         </p:spPr>
@@ -2954,7 +2954,7 @@
           </a:ln>
           <a:extLst>
             <a:ext uri="{C572A759-6A51-4108-AA02-DFA0A04FC94B}">
-              <ma14:wrappingTextBoxFlag xmlns="" xmlns:m="http://schemas.openxmlformats.org/officeDocument/2006/math" xmlns:a14="http://schemas.microsoft.com/office/drawing/2010/main" xmlns:ma14="http://schemas.microsoft.com/office/mac/drawingml/2011/main" val="1"/>
+              <ma14:wrappingTextBoxFlag xmlns:ma14="http://schemas.microsoft.com/office/mac/drawingml/2011/main" xmlns:a14="http://schemas.microsoft.com/office/drawing/2010/main" xmlns:m="http://schemas.openxmlformats.org/officeDocument/2006/math" xmlns="" val="1"/>
             </a:ext>
           </a:extLst>
         </p:spPr>
@@ -3079,6 +3079,10 @@
             </a:r>
           </a:p>
           <a:p>
+            <a:pPr lvl="2">
+              <a:buFont typeface="Wingdings" pitchFamily="2" charset="2"/>
+              <a:buChar char="ü"/>
+            </a:pPr>
             <a:r>
               <a:rPr lang="en-US" dirty="0" err="1"/>
               <a:t>Tensorflow</a:t>
@@ -3086,12 +3090,20 @@
             <a:endParaRPr lang="en-US" dirty="0"/>
           </a:p>
           <a:p>
+            <a:pPr lvl="2">
+              <a:buFont typeface="Wingdings" pitchFamily="2" charset="2"/>
+              <a:buChar char="ü"/>
+            </a:pPr>
             <a:r>
               <a:rPr lang="en-US" dirty="0"/>
               <a:t>LSTM</a:t>
             </a:r>
           </a:p>
           <a:p>
+            <a:pPr lvl="2">
+              <a:buFont typeface="Wingdings" pitchFamily="2" charset="2"/>
+              <a:buChar char="ü"/>
+            </a:pPr>
             <a:r>
               <a:rPr lang="en-US" dirty="0"/>
               <a:t>Flask</a:t>
@@ -5025,7 +5037,7 @@
           </a:ln>
           <a:extLst>
             <a:ext uri="{C572A759-6A51-4108-AA02-DFA0A04FC94B}">
-              <ma14:wrappingTextBoxFlag xmlns="" xmlns:m="http://schemas.openxmlformats.org/officeDocument/2006/math" xmlns:a14="http://schemas.microsoft.com/office/drawing/2010/main" xmlns:ma14="http://schemas.microsoft.com/office/mac/drawingml/2011/main" val="1"/>
+              <ma14:wrappingTextBoxFlag xmlns:ma14="http://schemas.microsoft.com/office/mac/drawingml/2011/main" xmlns:a14="http://schemas.microsoft.com/office/drawing/2010/main" xmlns:m="http://schemas.openxmlformats.org/officeDocument/2006/math" xmlns="" val="1"/>
             </a:ext>
           </a:extLst>
         </p:spPr>

--- a/PPT and Report/PPTs/EZFINUP - 0th Review PPT.pptx
+++ b/PPT and Report/PPTs/EZFINUP - 0th Review PPT.pptx
@@ -2987,6 +2987,69 @@
             <a:r>
               <a:rPr lang="en-US" dirty="0" err="1"/>
               <a:t>Thangakumar</a:t>
+            </a:r>
+            <a:endParaRPr dirty="0"/>
+          </a:p>
+        </p:txBody>
+      </p:sp>
+      <p:sp>
+        <p:nvSpPr>
+          <p:cNvPr id="7" name="Mentor: Dr.S. Sathyalakshmi">
+            <a:extLst>
+              <a:ext uri="{FF2B5EF4-FFF2-40B4-BE49-F238E27FC236}">
+                <a16:creationId xmlns:a16="http://schemas.microsoft.com/office/drawing/2014/main" id="{85AE2406-390D-BF44-9F23-1C5B4D712968}"/>
+              </a:ext>
+            </a:extLst>
+          </p:cNvPr>
+          <p:cNvSpPr txBox="1"/>
+          <p:nvPr/>
+        </p:nvSpPr>
+        <p:spPr>
+          <a:xfrm>
+            <a:off x="2490178" y="4572085"/>
+            <a:ext cx="2156999" cy="369332"/>
+          </a:xfrm>
+          <a:prstGeom prst="rect">
+            <a:avLst/>
+          </a:prstGeom>
+          <a:ln w="12700">
+            <a:miter lim="400000"/>
+          </a:ln>
+          <a:extLst>
+            <a:ext uri="{C572A759-6A51-4108-AA02-DFA0A04FC94B}">
+              <ma14:wrappingTextBoxFlag xmlns:ma14="http://schemas.microsoft.com/office/mac/drawingml/2011/main" xmlns:a14="http://schemas.microsoft.com/office/drawing/2010/main" xmlns:m="http://schemas.openxmlformats.org/officeDocument/2006/math" xmlns="" val="1"/>
+            </a:ext>
+          </a:extLst>
+        </p:spPr>
+        <p:txBody>
+          <a:bodyPr wrap="none" lIns="45719" rIns="45719">
+            <a:spAutoFit/>
+          </a:bodyPr>
+          <a:lstStyle/>
+          <a:p>
+            <a:pPr>
+              <a:defRPr>
+                <a:latin typeface="Times New Roman"/>
+                <a:ea typeface="Times New Roman"/>
+                <a:cs typeface="Times New Roman"/>
+                <a:sym typeface="Times New Roman"/>
+              </a:defRPr>
+            </a:pPr>
+            <a:r>
+              <a:rPr lang="en-US" b="1" dirty="0"/>
+              <a:t>Team Number</a:t>
+            </a:r>
+            <a:r>
+              <a:rPr b="1" dirty="0"/>
+              <a:t>:</a:t>
+            </a:r>
+            <a:r>
+              <a:rPr lang="en-US" b="1" dirty="0"/>
+              <a:t> </a:t>
+            </a:r>
+            <a:r>
+              <a:rPr lang="en-US" dirty="0"/>
+              <a:t>T_12</a:t>
             </a:r>
             <a:endParaRPr dirty="0"/>
           </a:p>
